--- a/doc/Presentation.pptx
+++ b/doc/Presentation.pptx
@@ -4767,7 +4767,7 @@
           <a:p>
             <a:r>
               <a:rPr lang="en-US" altLang="zh-CN" dirty="0" err="1"/>
-              <a:t>Xinli</a:t>
+              <a:t>Xingli</a:t>
             </a:r>
             <a:r>
               <a:rPr lang="en-US" altLang="zh-CN" dirty="0"/>

--- a/doc/Presentation.pptx
+++ b/doc/Presentation.pptx
@@ -5,10 +5,10 @@
     <p:sldMasterId id="2147483712" r:id="rId1"/>
   </p:sldMasterIdLst>
   <p:notesMasterIdLst>
-    <p:notesMasterId r:id="rId9"/>
+    <p:notesMasterId r:id="rId10"/>
   </p:notesMasterIdLst>
   <p:handoutMasterIdLst>
-    <p:handoutMasterId r:id="rId10"/>
+    <p:handoutMasterId r:id="rId11"/>
   </p:handoutMasterIdLst>
   <p:sldIdLst>
     <p:sldId id="257" r:id="rId2"/>
@@ -18,6 +18,7 @@
     <p:sldId id="260" r:id="rId6"/>
     <p:sldId id="261" r:id="rId7"/>
     <p:sldId id="262" r:id="rId8"/>
+    <p:sldId id="264" r:id="rId9"/>
   </p:sldIdLst>
   <p:sldSz cx="12192000" cy="6858000"/>
   <p:notesSz cx="6858000" cy="9144000"/>
@@ -5391,6 +5392,70 @@
     <p:extLst>
       <p:ext uri="{BB962C8B-B14F-4D97-AF65-F5344CB8AC3E}">
         <p14:creationId xmlns:p14="http://schemas.microsoft.com/office/powerpoint/2010/main" val="1090803304"/>
+      </p:ext>
+    </p:extLst>
+  </p:cSld>
+  <p:clrMapOvr>
+    <a:masterClrMapping/>
+  </p:clrMapOvr>
+</p:sld>
+</file>
+
+<file path=ppt/slides/slide8.xml><?xml version="1.0" encoding="utf-8"?>
+<p:sld xmlns:a="http://schemas.openxmlformats.org/drawingml/2006/main" xmlns:r="http://schemas.openxmlformats.org/officeDocument/2006/relationships" xmlns:p="http://schemas.openxmlformats.org/presentationml/2006/main">
+  <p:cSld>
+    <p:spTree>
+      <p:nvGrpSpPr>
+        <p:cNvPr id="1" name=""/>
+        <p:cNvGrpSpPr/>
+        <p:nvPr/>
+      </p:nvGrpSpPr>
+      <p:grpSpPr>
+        <a:xfrm>
+          <a:off x="0" y="0"/>
+          <a:ext cx="0" cy="0"/>
+          <a:chOff x="0" y="0"/>
+          <a:chExt cx="0" cy="0"/>
+        </a:xfrm>
+      </p:grpSpPr>
+      <p:sp>
+        <p:nvSpPr>
+          <p:cNvPr id="2" name="标题 1">
+            <a:extLst>
+              <a:ext uri="{FF2B5EF4-FFF2-40B4-BE49-F238E27FC236}">
+                <a16:creationId xmlns:a16="http://schemas.microsoft.com/office/drawing/2014/main" id="{17650D92-2C3D-4BE2-A380-2A8CB7FDF052}"/>
+              </a:ext>
+            </a:extLst>
+          </p:cNvPr>
+          <p:cNvSpPr>
+            <a:spLocks noGrp="1"/>
+          </p:cNvSpPr>
+          <p:nvPr>
+            <p:ph type="title"/>
+          </p:nvPr>
+        </p:nvSpPr>
+        <p:spPr>
+          <a:xfrm>
+            <a:off x="1361368" y="1230662"/>
+            <a:ext cx="8076247" cy="3593008"/>
+          </a:xfrm>
+        </p:spPr>
+        <p:txBody>
+          <a:bodyPr/>
+          <a:lstStyle/>
+          <a:p>
+            <a:r>
+              <a:rPr lang="en-US" altLang="zh-CN" dirty="0"/>
+              <a:t>Thank YOU</a:t>
+            </a:r>
+            <a:endParaRPr lang="zh-CN" altLang="en-US" dirty="0"/>
+          </a:p>
+        </p:txBody>
+      </p:sp>
+    </p:spTree>
+    <p:extLst>
+      <p:ext uri="{BB962C8B-B14F-4D97-AF65-F5344CB8AC3E}">
+        <p14:creationId xmlns:p14="http://schemas.microsoft.com/office/powerpoint/2010/main" val="2330748704"/>
       </p:ext>
     </p:extLst>
   </p:cSld>

--- a/doc/Presentation.pptx
+++ b/doc/Presentation.pptx
@@ -5,10 +5,10 @@
     <p:sldMasterId id="2147483712" r:id="rId1"/>
   </p:sldMasterIdLst>
   <p:notesMasterIdLst>
-    <p:notesMasterId r:id="rId10"/>
+    <p:notesMasterId r:id="rId11"/>
   </p:notesMasterIdLst>
   <p:handoutMasterIdLst>
-    <p:handoutMasterId r:id="rId11"/>
+    <p:handoutMasterId r:id="rId12"/>
   </p:handoutMasterIdLst>
   <p:sldIdLst>
     <p:sldId id="257" r:id="rId2"/>
@@ -18,7 +18,8 @@
     <p:sldId id="260" r:id="rId6"/>
     <p:sldId id="261" r:id="rId7"/>
     <p:sldId id="262" r:id="rId8"/>
-    <p:sldId id="264" r:id="rId9"/>
+    <p:sldId id="265" r:id="rId9"/>
+    <p:sldId id="264" r:id="rId10"/>
   </p:sldIdLst>
   <p:sldSz cx="12192000" cy="6858000"/>
   <p:notesSz cx="6858000" cy="9144000"/>
@@ -212,7 +213,7 @@
             <a:pPr rtl="0"/>
             <a:fld id="{3FDE3333-857A-4131-9EBA-B73C0C259FD7}" type="datetime1">
               <a:rPr lang="zh-CN" altLang="en-US" smtClean="0"/>
-              <a:t>2021/11/20</a:t>
+              <a:t>2021/11/28</a:t>
             </a:fld>
             <a:endParaRPr lang="en-US"/>
           </a:p>
@@ -382,7 +383,7 @@
             <a:pPr rtl="0"/>
             <a:fld id="{8CD12D00-6AAC-4A94-B2E5-A12E9C579B03}" type="datetime1">
               <a:rPr lang="zh-CN" altLang="en-US" smtClean="0"/>
-              <a:t>2021/11/20</a:t>
+              <a:t>2021/11/28</a:t>
             </a:fld>
             <a:endParaRPr lang="en-US"/>
           </a:p>
@@ -896,7 +897,7 @@
             <a:pPr rtl="0"/>
             <a:fld id="{73594A98-8FB4-4076-AE7B-5D3B1A2CBC70}" type="datetime1">
               <a:rPr lang="zh-CN" altLang="en-US" smtClean="0"/>
-              <a:t>2021/11/20</a:t>
+              <a:t>2021/11/28</a:t>
             </a:fld>
             <a:endParaRPr lang="en-US" dirty="0"/>
           </a:p>
@@ -1103,7 +1104,7 @@
             <a:pPr rtl="0"/>
             <a:fld id="{B3E0F2F7-3EF1-4761-ABAF-2FA9DDE4F1A8}" type="datetime1">
               <a:rPr lang="zh-CN" altLang="en-US" smtClean="0"/>
-              <a:t>2021/11/20</a:t>
+              <a:t>2021/11/28</a:t>
             </a:fld>
             <a:endParaRPr lang="en-US" dirty="0"/>
           </a:p>
@@ -1469,7 +1470,7 @@
             <a:pPr rtl="0"/>
             <a:fld id="{D563FC6D-277D-4D53-8EB6-E41026A24247}" type="datetime1">
               <a:rPr lang="zh-CN" altLang="en-US" smtClean="0"/>
-              <a:t>2021/11/20</a:t>
+              <a:t>2021/11/28</a:t>
             </a:fld>
             <a:endParaRPr lang="en-US" dirty="0"/>
           </a:p>
@@ -1671,7 +1672,7 @@
             <a:pPr rtl="0"/>
             <a:fld id="{F24FFC25-0C05-49C8-B150-3CF6B89B5C55}" type="datetime1">
               <a:rPr lang="zh-CN" altLang="en-US" smtClean="0"/>
-              <a:t>2021/11/20</a:t>
+              <a:t>2021/11/28</a:t>
             </a:fld>
             <a:endParaRPr lang="en-US" dirty="0"/>
           </a:p>
@@ -1987,7 +1988,7 @@
             <a:pPr rtl="0"/>
             <a:fld id="{DFC14310-5240-428A-850A-F7101D16AE5A}" type="datetime1">
               <a:rPr lang="zh-CN" altLang="en-US" smtClean="0"/>
-              <a:t>2021/11/20</a:t>
+              <a:t>2021/11/28</a:t>
             </a:fld>
             <a:endParaRPr lang="en-US" dirty="0"/>
           </a:p>
@@ -2244,7 +2245,7 @@
             <a:pPr rtl="0"/>
             <a:fld id="{71F85B13-09B0-4D01-A286-57280995F924}" type="datetime1">
               <a:rPr lang="zh-CN" altLang="en-US" smtClean="0"/>
-              <a:t>2021/11/20</a:t>
+              <a:t>2021/11/28</a:t>
             </a:fld>
             <a:endParaRPr lang="en-US" dirty="0"/>
           </a:p>
@@ -2670,7 +2671,7 @@
             <a:pPr rtl="0"/>
             <a:fld id="{F411FE78-D258-4188-9C5F-198CC4CE7F12}" type="datetime1">
               <a:rPr lang="zh-CN" altLang="en-US" smtClean="0"/>
-              <a:t>2021/11/20</a:t>
+              <a:t>2021/11/28</a:t>
             </a:fld>
             <a:endParaRPr lang="en-US" dirty="0"/>
           </a:p>
@@ -2797,7 +2798,7 @@
             <a:pPr rtl="0"/>
             <a:fld id="{BE491C52-D618-41DD-80F2-22500A780186}" type="datetime1">
               <a:rPr lang="zh-CN" altLang="en-US" smtClean="0"/>
-              <a:t>2021/11/20</a:t>
+              <a:t>2021/11/28</a:t>
             </a:fld>
             <a:endParaRPr lang="en-US" dirty="0"/>
           </a:p>
@@ -2895,7 +2896,7 @@
             <a:pPr rtl="0"/>
             <a:fld id="{26EE3488-748A-4EA8-9571-9D5A1694FA0A}" type="datetime1">
               <a:rPr lang="zh-CN" altLang="en-US" smtClean="0"/>
-              <a:t>2021/11/20</a:t>
+              <a:t>2021/11/28</a:t>
             </a:fld>
             <a:endParaRPr lang="en-US" dirty="0"/>
           </a:p>
@@ -3276,7 +3277,7 @@
             <a:pPr rtl="0"/>
             <a:fld id="{D7791703-7779-4492-8183-3F96B27D2540}" type="datetime1">
               <a:rPr lang="zh-CN" altLang="en-US" smtClean="0"/>
-              <a:t>2021/11/20</a:t>
+              <a:t>2021/11/28</a:t>
             </a:fld>
             <a:endParaRPr lang="en-US" dirty="0"/>
           </a:p>
@@ -3574,7 +3575,7 @@
             <a:pPr rtl="0"/>
             <a:fld id="{D4D22F12-409A-40D9-8774-D34C978752A7}" type="datetime1">
               <a:rPr lang="zh-CN" altLang="en-US" smtClean="0"/>
-              <a:t>2021/11/20</a:t>
+              <a:t>2021/11/28</a:t>
             </a:fld>
             <a:endParaRPr lang="en-US" dirty="0"/>
           </a:p>
@@ -3793,7 +3794,7 @@
           <a:p>
             <a:fld id="{4400FF2F-BAC0-4F33-9E13-F8F6FA55A14D}" type="datetime1">
               <a:rPr lang="zh-CN" altLang="en-US" smtClean="0"/>
-              <a:t>2021/11/20</a:t>
+              <a:t>2021/11/28</a:t>
             </a:fld>
             <a:endParaRPr lang="en-US" dirty="0"/>
           </a:p>
@@ -4522,14 +4523,14 @@
         </p:spPr>
         <p:txBody>
           <a:bodyPr rtlCol="0">
-            <a:normAutofit fontScale="90000"/>
+            <a:normAutofit/>
           </a:bodyPr>
           <a:lstStyle/>
           <a:p>
             <a:pPr rtl="0"/>
             <a:r>
               <a:rPr lang="en-US" altLang="zh-CN" dirty="0"/>
-              <a:t>Implementation of Double regression network Single image super-resolution</a:t>
+              <a:t>Double Regression Network To Improve Video Super-Resolution</a:t>
             </a:r>
             <a:endParaRPr lang="zh-cn" dirty="0"/>
           </a:p>
@@ -4883,36 +4884,6 @@
               <a:t>It is hard to obtain a promising SR model when the paired data are unavailable.</a:t>
             </a:r>
             <a:endParaRPr lang="zh-CN" altLang="en-US" sz="1800" dirty="0"/>
-          </a:p>
-        </p:txBody>
-      </p:sp>
-      <p:sp>
-        <p:nvSpPr>
-          <p:cNvPr id="4" name="日期占位符 3">
-            <a:extLst>
-              <a:ext uri="{FF2B5EF4-FFF2-40B4-BE49-F238E27FC236}">
-                <a16:creationId xmlns:a16="http://schemas.microsoft.com/office/drawing/2014/main" id="{66B7EE80-F1FC-4E91-89FA-42CF537BE7EC}"/>
-              </a:ext>
-            </a:extLst>
-          </p:cNvPr>
-          <p:cNvSpPr>
-            <a:spLocks noGrp="1"/>
-          </p:cNvSpPr>
-          <p:nvPr>
-            <p:ph type="dt" sz="half" idx="10"/>
-          </p:nvPr>
-        </p:nvSpPr>
-        <p:spPr/>
-        <p:txBody>
-          <a:bodyPr/>
-          <a:lstStyle/>
-          <a:p>
-            <a:pPr rtl="0"/>
-            <a:fld id="{F24FFC25-0C05-49C8-B150-3CF6B89B5C55}" type="datetime1">
-              <a:rPr lang="zh-CN" altLang="en-US" smtClean="0"/>
-              <a:t>2021/11/20</a:t>
-            </a:fld>
-            <a:endParaRPr lang="en-US" dirty="0"/>
           </a:p>
         </p:txBody>
       </p:sp>
@@ -5402,6 +5373,108 @@
 </file>
 
 <file path=ppt/slides/slide8.xml><?xml version="1.0" encoding="utf-8"?>
+<p:sld xmlns:a="http://schemas.openxmlformats.org/drawingml/2006/main" xmlns:r="http://schemas.openxmlformats.org/officeDocument/2006/relationships" xmlns:p="http://schemas.openxmlformats.org/presentationml/2006/main">
+  <p:cSld>
+    <p:spTree>
+      <p:nvGrpSpPr>
+        <p:cNvPr id="1" name=""/>
+        <p:cNvGrpSpPr/>
+        <p:nvPr/>
+      </p:nvGrpSpPr>
+      <p:grpSpPr>
+        <a:xfrm>
+          <a:off x="0" y="0"/>
+          <a:ext cx="0" cy="0"/>
+          <a:chOff x="0" y="0"/>
+          <a:chExt cx="0" cy="0"/>
+        </a:xfrm>
+      </p:grpSpPr>
+      <p:pic>
+        <p:nvPicPr>
+          <p:cNvPr id="6" name="图片 5">
+            <a:extLst>
+              <a:ext uri="{FF2B5EF4-FFF2-40B4-BE49-F238E27FC236}">
+                <a16:creationId xmlns:a16="http://schemas.microsoft.com/office/drawing/2014/main" id="{1BB889F3-92E2-4E69-B7C6-4D1C3737E89A}"/>
+              </a:ext>
+            </a:extLst>
+          </p:cNvPr>
+          <p:cNvPicPr>
+            <a:picLocks noChangeAspect="1"/>
+          </p:cNvPicPr>
+          <p:nvPr/>
+        </p:nvPicPr>
+        <p:blipFill>
+          <a:blip r:embed="rId2">
+            <a:extLst>
+              <a:ext uri="{28A0092B-C50C-407E-A947-70E740481C1C}">
+                <a14:useLocalDpi xmlns:a14="http://schemas.microsoft.com/office/drawing/2010/main" val="0"/>
+              </a:ext>
+            </a:extLst>
+          </a:blip>
+          <a:stretch>
+            <a:fillRect/>
+          </a:stretch>
+        </p:blipFill>
+        <p:spPr>
+          <a:xfrm>
+            <a:off x="351623" y="1308899"/>
+            <a:ext cx="11488753" cy="3896269"/>
+          </a:xfrm>
+          <a:prstGeom prst="rect">
+            <a:avLst/>
+          </a:prstGeom>
+        </p:spPr>
+      </p:pic>
+      <p:sp>
+        <p:nvSpPr>
+          <p:cNvPr id="8" name="文本框 7">
+            <a:extLst>
+              <a:ext uri="{FF2B5EF4-FFF2-40B4-BE49-F238E27FC236}">
+                <a16:creationId xmlns:a16="http://schemas.microsoft.com/office/drawing/2014/main" id="{8CB6298B-06B0-4245-A4B2-F4A457C2E256}"/>
+              </a:ext>
+            </a:extLst>
+          </p:cNvPr>
+          <p:cNvSpPr txBox="1"/>
+          <p:nvPr/>
+        </p:nvSpPr>
+        <p:spPr>
+          <a:xfrm>
+            <a:off x="453006" y="1124233"/>
+            <a:ext cx="10553351" cy="369332"/>
+          </a:xfrm>
+          <a:prstGeom prst="rect">
+            <a:avLst/>
+          </a:prstGeom>
+          <a:noFill/>
+        </p:spPr>
+        <p:txBody>
+          <a:bodyPr wrap="square" rtlCol="0">
+            <a:spAutoFit/>
+          </a:bodyPr>
+          <a:lstStyle/>
+          <a:p>
+            <a:r>
+              <a:rPr lang="en-US" altLang="zh-CN" dirty="0"/>
+              <a:t>This  is  our  solution  for  space-time video super-resolution.</a:t>
+            </a:r>
+            <a:endParaRPr lang="zh-CN" altLang="en-US" dirty="0"/>
+          </a:p>
+        </p:txBody>
+      </p:sp>
+    </p:spTree>
+    <p:extLst>
+      <p:ext uri="{BB962C8B-B14F-4D97-AF65-F5344CB8AC3E}">
+        <p14:creationId xmlns:p14="http://schemas.microsoft.com/office/powerpoint/2010/main" val="2967902165"/>
+      </p:ext>
+    </p:extLst>
+  </p:cSld>
+  <p:clrMapOvr>
+    <a:masterClrMapping/>
+  </p:clrMapOvr>
+</p:sld>
+</file>
+
+<file path=ppt/slides/slide9.xml><?xml version="1.0" encoding="utf-8"?>
 <p:sld xmlns:a="http://schemas.openxmlformats.org/drawingml/2006/main" xmlns:r="http://schemas.openxmlformats.org/officeDocument/2006/relationships" xmlns:p="http://schemas.openxmlformats.org/presentationml/2006/main">
   <p:cSld>
     <p:spTree>
